--- a/Prototype1/Prototype1.pptx
+++ b/Prototype1/Prototype1.pptx
@@ -10,7 +10,7 @@
     <p:sldId id="258" r:id="rId4"/>
     <p:sldId id="261" r:id="rId5"/>
     <p:sldId id="259" r:id="rId6"/>
-    <p:sldId id="262" r:id="rId7"/>
+    <p:sldId id="263" r:id="rId7"/>
     <p:sldId id="260" r:id="rId8"/>
   </p:sldIdLst>
   <p:sldSz cx="12192000" cy="6858000"/>
@@ -110,6 +110,11 @@
       </a:defRPr>
     </a:lvl9pPr>
   </p:defaultTextStyle>
+  <p:extLst>
+    <p:ext uri="{EFAFB233-063F-42B5-8137-9DF3F51BA10A}">
+      <p15:sldGuideLst xmlns:p15="http://schemas.microsoft.com/office/powerpoint/2012/main"/>
+    </p:ext>
+  </p:extLst>
 </p:presentation>
 </file>
 
@@ -615,7 +620,7 @@
           <a:p>
             <a:fld id="{E21748AB-CF85-47B4-88FD-8DF775A6D308}" type="datetimeFigureOut">
               <a:rPr lang="en-US" smtClean="0"/>
-              <a:t>11/7/2016</a:t>
+              <a:t>11/8/2016</a:t>
             </a:fld>
             <a:endParaRPr lang="en-US"/>
           </a:p>
@@ -911,7 +916,7 @@
           <a:p>
             <a:fld id="{E21748AB-CF85-47B4-88FD-8DF775A6D308}" type="datetimeFigureOut">
               <a:rPr lang="en-US" smtClean="0"/>
-              <a:t>11/7/2016</a:t>
+              <a:t>11/8/2016</a:t>
             </a:fld>
             <a:endParaRPr lang="en-US"/>
           </a:p>
@@ -1159,7 +1164,7 @@
           <a:p>
             <a:fld id="{E21748AB-CF85-47B4-88FD-8DF775A6D308}" type="datetimeFigureOut">
               <a:rPr lang="en-US" smtClean="0"/>
-              <a:t>11/7/2016</a:t>
+              <a:t>11/8/2016</a:t>
             </a:fld>
             <a:endParaRPr lang="en-US"/>
           </a:p>
@@ -1699,7 +1704,7 @@
           <a:p>
             <a:fld id="{E21748AB-CF85-47B4-88FD-8DF775A6D308}" type="datetimeFigureOut">
               <a:rPr lang="en-US" smtClean="0"/>
-              <a:t>11/7/2016</a:t>
+              <a:t>11/8/2016</a:t>
             </a:fld>
             <a:endParaRPr lang="en-US"/>
           </a:p>
@@ -1947,7 +1952,7 @@
           <a:p>
             <a:fld id="{E21748AB-CF85-47B4-88FD-8DF775A6D308}" type="datetimeFigureOut">
               <a:rPr lang="en-US" smtClean="0"/>
-              <a:t>11/7/2016</a:t>
+              <a:t>11/8/2016</a:t>
             </a:fld>
             <a:endParaRPr lang="en-US"/>
           </a:p>
@@ -2479,7 +2484,7 @@
           <a:p>
             <a:fld id="{E21748AB-CF85-47B4-88FD-8DF775A6D308}" type="datetimeFigureOut">
               <a:rPr lang="en-US" smtClean="0"/>
-              <a:t>11/7/2016</a:t>
+              <a:t>11/8/2016</a:t>
             </a:fld>
             <a:endParaRPr lang="en-US"/>
           </a:p>
@@ -2776,7 +2781,7 @@
           <a:p>
             <a:fld id="{E21748AB-CF85-47B4-88FD-8DF775A6D308}" type="datetimeFigureOut">
               <a:rPr lang="en-US" smtClean="0"/>
-              <a:t>11/7/2016</a:t>
+              <a:t>11/8/2016</a:t>
             </a:fld>
             <a:endParaRPr lang="en-US"/>
           </a:p>
@@ -2950,7 +2955,7 @@
           <a:p>
             <a:fld id="{E21748AB-CF85-47B4-88FD-8DF775A6D308}" type="datetimeFigureOut">
               <a:rPr lang="en-US" smtClean="0"/>
-              <a:t>11/7/2016</a:t>
+              <a:t>11/8/2016</a:t>
             </a:fld>
             <a:endParaRPr lang="en-US"/>
           </a:p>
@@ -3130,7 +3135,7 @@
           <a:p>
             <a:fld id="{E21748AB-CF85-47B4-88FD-8DF775A6D308}" type="datetimeFigureOut">
               <a:rPr lang="en-US" smtClean="0"/>
-              <a:t>11/7/2016</a:t>
+              <a:t>11/8/2016</a:t>
             </a:fld>
             <a:endParaRPr lang="en-US"/>
           </a:p>
@@ -3300,7 +3305,7 @@
           <a:p>
             <a:fld id="{E21748AB-CF85-47B4-88FD-8DF775A6D308}" type="datetimeFigureOut">
               <a:rPr lang="en-US" smtClean="0"/>
-              <a:t>11/7/2016</a:t>
+              <a:t>11/8/2016</a:t>
             </a:fld>
             <a:endParaRPr lang="en-US"/>
           </a:p>
@@ -3551,7 +3556,7 @@
           <a:p>
             <a:fld id="{E21748AB-CF85-47B4-88FD-8DF775A6D308}" type="datetimeFigureOut">
               <a:rPr lang="en-US" smtClean="0"/>
-              <a:t>11/7/2016</a:t>
+              <a:t>11/8/2016</a:t>
             </a:fld>
             <a:endParaRPr lang="en-US"/>
           </a:p>
@@ -3848,7 +3853,7 @@
           <a:p>
             <a:fld id="{E21748AB-CF85-47B4-88FD-8DF775A6D308}" type="datetimeFigureOut">
               <a:rPr lang="en-US" smtClean="0"/>
-              <a:t>11/7/2016</a:t>
+              <a:t>11/8/2016</a:t>
             </a:fld>
             <a:endParaRPr lang="en-US"/>
           </a:p>
@@ -4290,7 +4295,7 @@
           <a:p>
             <a:fld id="{E21748AB-CF85-47B4-88FD-8DF775A6D308}" type="datetimeFigureOut">
               <a:rPr lang="en-US" smtClean="0"/>
-              <a:t>11/7/2016</a:t>
+              <a:t>11/8/2016</a:t>
             </a:fld>
             <a:endParaRPr lang="en-US"/>
           </a:p>
@@ -4408,7 +4413,7 @@
           <a:p>
             <a:fld id="{E21748AB-CF85-47B4-88FD-8DF775A6D308}" type="datetimeFigureOut">
               <a:rPr lang="en-US" smtClean="0"/>
-              <a:t>11/7/2016</a:t>
+              <a:t>11/8/2016</a:t>
             </a:fld>
             <a:endParaRPr lang="en-US"/>
           </a:p>
@@ -4503,7 +4508,7 @@
           <a:p>
             <a:fld id="{E21748AB-CF85-47B4-88FD-8DF775A6D308}" type="datetimeFigureOut">
               <a:rPr lang="en-US" smtClean="0"/>
-              <a:t>11/7/2016</a:t>
+              <a:t>11/8/2016</a:t>
             </a:fld>
             <a:endParaRPr lang="en-US"/>
           </a:p>
@@ -4786,7 +4791,7 @@
           <a:p>
             <a:fld id="{E21748AB-CF85-47B4-88FD-8DF775A6D308}" type="datetimeFigureOut">
               <a:rPr lang="en-US" smtClean="0"/>
-              <a:t>11/7/2016</a:t>
+              <a:t>11/8/2016</a:t>
             </a:fld>
             <a:endParaRPr lang="en-US"/>
           </a:p>
@@ -5077,7 +5082,7 @@
           <a:p>
             <a:fld id="{E21748AB-CF85-47B4-88FD-8DF775A6D308}" type="datetimeFigureOut">
               <a:rPr lang="en-US" smtClean="0"/>
-              <a:t>11/7/2016</a:t>
+              <a:t>11/8/2016</a:t>
             </a:fld>
             <a:endParaRPr lang="en-US"/>
           </a:p>
@@ -5607,7 +5612,7 @@
           <a:p>
             <a:fld id="{E21748AB-CF85-47B4-88FD-8DF775A6D308}" type="datetimeFigureOut">
               <a:rPr lang="en-US" smtClean="0"/>
-              <a:t>11/7/2016</a:t>
+              <a:t>11/8/2016</a:t>
             </a:fld>
             <a:endParaRPr lang="en-US"/>
           </a:p>
@@ -6224,7 +6229,11 @@
             </a:r>
             <a:r>
               <a:rPr lang="en-US" dirty="0" smtClean="0"/>
-              <a:t> Status…</a:t>
+              <a:t> </a:t>
+            </a:r>
+            <a:r>
+              <a:rPr lang="en-US" dirty="0" smtClean="0"/>
+              <a:t>Stand…</a:t>
             </a:r>
             <a:endParaRPr lang="en-US" dirty="0"/>
           </a:p>
@@ -6242,8 +6251,8 @@
         </p:nvSpPr>
         <p:spPr>
           <a:xfrm>
-            <a:off x="2962031" y="2666999"/>
-            <a:ext cx="8540992" cy="3124201"/>
+            <a:off x="1586522" y="3065584"/>
+            <a:ext cx="4400063" cy="3124201"/>
           </a:xfrm>
         </p:spPr>
         <p:txBody>
@@ -6295,6 +6304,96 @@
           </a:p>
         </p:txBody>
       </p:sp>
+      <p:pic>
+        <p:nvPicPr>
+          <p:cNvPr id="4" name="Picture 3"/>
+          <p:cNvPicPr>
+            <a:picLocks noChangeAspect="1"/>
+          </p:cNvPicPr>
+          <p:nvPr/>
+        </p:nvPicPr>
+        <p:blipFill>
+          <a:blip r:embed="rId2" cstate="print">
+            <a:extLst>
+              <a:ext uri="{28A0092B-C50C-407E-A947-70E740481C1C}">
+                <a14:useLocalDpi xmlns:a14="http://schemas.microsoft.com/office/drawing/2010/main" val="0"/>
+              </a:ext>
+            </a:extLst>
+          </a:blip>
+          <a:stretch>
+            <a:fillRect/>
+          </a:stretch>
+        </p:blipFill>
+        <p:spPr>
+          <a:xfrm>
+            <a:off x="6959598" y="3547169"/>
+            <a:ext cx="1391441" cy="1647166"/>
+          </a:xfrm>
+          <a:prstGeom prst="rect">
+            <a:avLst/>
+          </a:prstGeom>
+        </p:spPr>
+      </p:pic>
+      <p:pic>
+        <p:nvPicPr>
+          <p:cNvPr id="5" name="Picture 4"/>
+          <p:cNvPicPr>
+            <a:picLocks noChangeAspect="1"/>
+          </p:cNvPicPr>
+          <p:nvPr/>
+        </p:nvPicPr>
+        <p:blipFill>
+          <a:blip r:embed="rId3" cstate="print">
+            <a:extLst>
+              <a:ext uri="{28A0092B-C50C-407E-A947-70E740481C1C}">
+                <a14:useLocalDpi xmlns:a14="http://schemas.microsoft.com/office/drawing/2010/main" val="0"/>
+              </a:ext>
+            </a:extLst>
+          </a:blip>
+          <a:stretch>
+            <a:fillRect/>
+          </a:stretch>
+        </p:blipFill>
+        <p:spPr>
+          <a:xfrm>
+            <a:off x="9992963" y="4627684"/>
+            <a:ext cx="1537248" cy="1913452"/>
+          </a:xfrm>
+          <a:prstGeom prst="rect">
+            <a:avLst/>
+          </a:prstGeom>
+        </p:spPr>
+      </p:pic>
+      <p:pic>
+        <p:nvPicPr>
+          <p:cNvPr id="6" name="Picture 5"/>
+          <p:cNvPicPr>
+            <a:picLocks noChangeAspect="1"/>
+          </p:cNvPicPr>
+          <p:nvPr/>
+        </p:nvPicPr>
+        <p:blipFill>
+          <a:blip r:embed="rId4" cstate="print">
+            <a:extLst>
+              <a:ext uri="{28A0092B-C50C-407E-A947-70E740481C1C}">
+                <a14:useLocalDpi xmlns:a14="http://schemas.microsoft.com/office/drawing/2010/main" val="0"/>
+              </a:ext>
+            </a:extLst>
+          </a:blip>
+          <a:stretch>
+            <a:fillRect/>
+          </a:stretch>
+        </p:blipFill>
+        <p:spPr>
+          <a:xfrm>
+            <a:off x="9549664" y="2210450"/>
+            <a:ext cx="1953360" cy="1678716"/>
+          </a:xfrm>
+          <a:prstGeom prst="rect">
+            <a:avLst/>
+          </a:prstGeom>
+        </p:spPr>
+      </p:pic>
     </p:spTree>
     <p:extLst>
       <p:ext uri="{BB962C8B-B14F-4D97-AF65-F5344CB8AC3E}">
@@ -6508,8 +6607,8 @@
         </p:nvSpPr>
         <p:spPr>
           <a:xfrm>
-            <a:off x="1476496" y="91831"/>
-            <a:ext cx="10018713" cy="1752599"/>
+            <a:off x="0" y="-4518"/>
+            <a:ext cx="10018713" cy="1239349"/>
           </a:xfrm>
         </p:spPr>
         <p:txBody>
@@ -6556,8 +6655,8 @@
         </p:blipFill>
         <p:spPr>
           <a:xfrm>
-            <a:off x="6707596" y="2414953"/>
-            <a:ext cx="5108270" cy="3831202"/>
+            <a:off x="8439618" y="4009291"/>
+            <a:ext cx="3626340" cy="2719755"/>
           </a:xfrm>
         </p:spPr>
       </p:pic>
@@ -6569,8 +6668,8 @@
         </p:nvSpPr>
         <p:spPr>
           <a:xfrm>
-            <a:off x="1215759" y="2172677"/>
-            <a:ext cx="1529586" cy="646331"/>
+            <a:off x="2265849" y="2021896"/>
+            <a:ext cx="2964273" cy="1477328"/>
           </a:xfrm>
           <a:prstGeom prst="rect">
             <a:avLst/>
@@ -6589,9 +6688,8 @@
             </a:pPr>
             <a:r>
               <a:rPr lang="de-DE" dirty="0" smtClean="0"/>
-              <a:t>Unity</a:t>
-            </a:r>
-            <a:endParaRPr lang="en-US" dirty="0" smtClean="0"/>
+              <a:t>Unity mit SteamVR Plugin</a:t>
+            </a:r>
           </a:p>
           <a:p>
             <a:pPr marL="285750" indent="-285750">
@@ -6600,7 +6698,62 @@
             </a:pPr>
             <a:r>
               <a:rPr lang="de-DE" dirty="0" smtClean="0"/>
-              <a:t>Pro Builder</a:t>
+              <a:t>Vive </a:t>
+            </a:r>
+            <a:r>
+              <a:rPr lang="en-US" dirty="0" smtClean="0"/>
+              <a:t>– Teleporter – Flafla2 </a:t>
+            </a:r>
+          </a:p>
+          <a:p>
+            <a:r>
+              <a:rPr lang="en-US" dirty="0" smtClean="0"/>
+              <a:t>(</a:t>
+            </a:r>
+            <a:r>
+              <a:rPr lang="en-US" dirty="0" err="1" smtClean="0"/>
+              <a:t>ersetzt</a:t>
+            </a:r>
+            <a:r>
+              <a:rPr lang="en-US" dirty="0" smtClean="0"/>
+              <a:t> </a:t>
+            </a:r>
+            <a:r>
+              <a:rPr lang="en-US" dirty="0" err="1" smtClean="0"/>
+              <a:t>durch</a:t>
+            </a:r>
+            <a:r>
+              <a:rPr lang="en-US" dirty="0" smtClean="0"/>
+              <a:t> </a:t>
+            </a:r>
+            <a:r>
+              <a:rPr lang="en-US" dirty="0" err="1" smtClean="0"/>
+              <a:t>NewtonVR</a:t>
+            </a:r>
+            <a:r>
+              <a:rPr lang="en-US" dirty="0" smtClean="0"/>
+              <a:t>)</a:t>
+            </a:r>
+            <a:endParaRPr lang="en-US" dirty="0" smtClean="0"/>
+          </a:p>
+          <a:p>
+            <a:pPr marL="285750" indent="-285750">
+              <a:buFont typeface="Arial" panose="020B0604020202020204" pitchFamily="34" charset="0"/>
+              <a:buChar char="•"/>
+            </a:pPr>
+            <a:r>
+              <a:rPr lang="de-DE" dirty="0" smtClean="0"/>
+              <a:t>ProBuilder Basic</a:t>
+            </a:r>
+          </a:p>
+          <a:p>
+            <a:pPr marL="285750" indent="-285750">
+              <a:buFont typeface="Arial" panose="020B0604020202020204" pitchFamily="34" charset="0"/>
+              <a:buChar char="•"/>
+            </a:pPr>
+            <a:r>
+              <a:rPr lang="de-DE" dirty="0" smtClean="0"/>
+              <a:t>The Lab Renderer</a:t>
             </a:r>
             <a:endParaRPr lang="en-US" dirty="0"/>
           </a:p>
@@ -6628,8 +6781,38 @@
         </p:blipFill>
         <p:spPr>
           <a:xfrm>
-            <a:off x="1215759" y="3096007"/>
-            <a:ext cx="5491837" cy="2647083"/>
+            <a:off x="2599082" y="4009291"/>
+            <a:ext cx="5642608" cy="2719755"/>
+          </a:xfrm>
+          <a:prstGeom prst="rect">
+            <a:avLst/>
+          </a:prstGeom>
+        </p:spPr>
+      </p:pic>
+      <p:pic>
+        <p:nvPicPr>
+          <p:cNvPr id="7" name="Content Placeholder 3"/>
+          <p:cNvPicPr>
+            <a:picLocks noChangeAspect="1"/>
+          </p:cNvPicPr>
+          <p:nvPr/>
+        </p:nvPicPr>
+        <p:blipFill>
+          <a:blip r:embed="rId4" cstate="print">
+            <a:extLst>
+              <a:ext uri="{28A0092B-C50C-407E-A947-70E740481C1C}">
+                <a14:useLocalDpi xmlns:a14="http://schemas.microsoft.com/office/drawing/2010/main" val="0"/>
+              </a:ext>
+            </a:extLst>
+          </a:blip>
+          <a:stretch>
+            <a:fillRect/>
+          </a:stretch>
+        </p:blipFill>
+        <p:spPr>
+          <a:xfrm>
+            <a:off x="5711775" y="1234831"/>
+            <a:ext cx="5455686" cy="2649416"/>
           </a:xfrm>
           <a:prstGeom prst="rect">
             <a:avLst/>
@@ -6673,124 +6856,84 @@
           <a:chExt cx="0" cy="0"/>
         </a:xfrm>
       </p:grpSpPr>
-      <p:pic>
-        <p:nvPicPr>
-          <p:cNvPr id="4" name="Content Placeholder 3"/>
-          <p:cNvPicPr>
-            <a:picLocks noGrp="1" noChangeAspect="1"/>
-          </p:cNvPicPr>
+      <p:sp>
+        <p:nvSpPr>
+          <p:cNvPr id="2" name="Title 1"/>
+          <p:cNvSpPr>
+            <a:spLocks noGrp="1"/>
+          </p:cNvSpPr>
+          <p:nvPr>
+            <p:ph type="title"/>
+          </p:nvPr>
+        </p:nvSpPr>
+        <p:spPr/>
+        <p:txBody>
+          <a:bodyPr/>
+          <a:lstStyle/>
+          <a:p>
+            <a:r>
+              <a:rPr lang="en-US" dirty="0" err="1" smtClean="0"/>
+              <a:t>Ideen</a:t>
+            </a:r>
+            <a:r>
+              <a:rPr lang="en-US" dirty="0" smtClean="0"/>
+              <a:t> f</a:t>
+            </a:r>
+            <a:r>
+              <a:rPr lang="de-DE" dirty="0" smtClean="0"/>
+              <a:t>ür Räume</a:t>
+            </a:r>
+            <a:endParaRPr lang="en-US" dirty="0"/>
+          </a:p>
+        </p:txBody>
+      </p:sp>
+      <p:sp>
+        <p:nvSpPr>
+          <p:cNvPr id="3" name="Content Placeholder 2"/>
+          <p:cNvSpPr>
+            <a:spLocks noGrp="1"/>
+          </p:cNvSpPr>
           <p:nvPr>
             <p:ph idx="1"/>
           </p:nvPr>
-        </p:nvPicPr>
-        <p:blipFill>
-          <a:blip r:embed="rId2" cstate="print">
-            <a:extLst>
-              <a:ext uri="{28A0092B-C50C-407E-A947-70E740481C1C}">
-                <a14:useLocalDpi xmlns:a14="http://schemas.microsoft.com/office/drawing/2010/main" val="0"/>
-              </a:ext>
-            </a:extLst>
-          </a:blip>
-          <a:stretch>
-            <a:fillRect/>
-          </a:stretch>
-        </p:blipFill>
-        <p:spPr>
-          <a:xfrm>
-            <a:off x="2636390" y="2757120"/>
-            <a:ext cx="8307753" cy="4034450"/>
-          </a:xfrm>
-        </p:spPr>
-      </p:pic>
-      <p:pic>
-        <p:nvPicPr>
-          <p:cNvPr id="8" name="Picture 7"/>
-          <p:cNvPicPr>
-            <a:picLocks noChangeAspect="1"/>
-          </p:cNvPicPr>
-          <p:nvPr/>
-        </p:nvPicPr>
-        <p:blipFill>
-          <a:blip r:embed="rId3" cstate="print">
-            <a:extLst>
-              <a:ext uri="{28A0092B-C50C-407E-A947-70E740481C1C}">
-                <a14:useLocalDpi xmlns:a14="http://schemas.microsoft.com/office/drawing/2010/main" val="0"/>
-              </a:ext>
-            </a:extLst>
-          </a:blip>
-          <a:stretch>
-            <a:fillRect/>
-          </a:stretch>
-        </p:blipFill>
-        <p:spPr>
-          <a:xfrm>
-            <a:off x="7479322" y="148492"/>
-            <a:ext cx="3399692" cy="2549769"/>
-          </a:xfrm>
-          <a:prstGeom prst="rect">
-            <a:avLst/>
-          </a:prstGeom>
-        </p:spPr>
-      </p:pic>
-      <p:sp>
-        <p:nvSpPr>
-          <p:cNvPr id="9" name="TextBox 8"/>
-          <p:cNvSpPr txBox="1"/>
-          <p:nvPr/>
-        </p:nvSpPr>
-        <p:spPr>
-          <a:xfrm>
-            <a:off x="2547816" y="1258277"/>
-            <a:ext cx="4798646" cy="923330"/>
-          </a:xfrm>
-          <a:prstGeom prst="rect">
-            <a:avLst/>
-          </a:prstGeom>
-          <a:noFill/>
-        </p:spPr>
-        <p:txBody>
-          <a:bodyPr wrap="square" rtlCol="0">
-            <a:spAutoFit/>
-          </a:bodyPr>
+        </p:nvSpPr>
+        <p:spPr/>
+        <p:txBody>
+          <a:bodyPr/>
           <a:lstStyle/>
           <a:p>
-            <a:pPr marL="285750" indent="-285750">
-              <a:buFont typeface="Arial" panose="020B0604020202020204" pitchFamily="34" charset="0"/>
-              <a:buChar char="•"/>
-            </a:pPr>
-            <a:r>
-              <a:rPr lang="en-US" dirty="0" smtClean="0"/>
-              <a:t>Vive-Teleporter (</a:t>
-            </a:r>
-            <a:r>
-              <a:rPr lang="en-US" dirty="0" err="1" smtClean="0"/>
-              <a:t>ersetzt</a:t>
-            </a:r>
-            <a:r>
-              <a:rPr lang="en-US" dirty="0" smtClean="0"/>
-              <a:t> </a:t>
-            </a:r>
-            <a:r>
-              <a:rPr lang="en-US" dirty="0" err="1" smtClean="0"/>
-              <a:t>durch</a:t>
-            </a:r>
-            <a:r>
-              <a:rPr lang="en-US" dirty="0" smtClean="0"/>
-              <a:t> Newton VR)</a:t>
-            </a:r>
-          </a:p>
-          <a:p>
-            <a:pPr marL="285750" indent="-285750">
-              <a:buFont typeface="Arial" panose="020B0604020202020204" pitchFamily="34" charset="0"/>
-              <a:buChar char="•"/>
-            </a:pPr>
-            <a:r>
-              <a:rPr lang="en-US" dirty="0" smtClean="0"/>
-              <a:t>The Lab Renderer</a:t>
-            </a:r>
-            <a:endParaRPr lang="en-US" dirty="0" smtClean="0"/>
-          </a:p>
-          <a:p>
+            <a:r>
+              <a:rPr lang="de-DE" dirty="0" smtClean="0"/>
+              <a:t>Dunkler Raum </a:t>
+            </a:r>
+            <a:r>
+              <a:rPr lang="ro-RO" dirty="0" smtClean="0"/>
+              <a:t>– Spieler muss Taschenlampe finden</a:t>
+            </a:r>
+          </a:p>
+          <a:p>
+            <a:r>
+              <a:rPr lang="ro-RO" dirty="0" smtClean="0"/>
+              <a:t>Raum mit zu wenig Sauerstoff – Spieler muss Sauerstoff finden</a:t>
+            </a:r>
+          </a:p>
+          <a:p>
+            <a:r>
+              <a:rPr lang="ro-RO" dirty="0" smtClean="0"/>
+              <a:t>Laserstrahlen – Spieler muss richtige Kombination herasufinden</a:t>
+            </a:r>
+          </a:p>
+          <a:p>
+            <a:r>
+              <a:rPr lang="ro-RO" dirty="0" smtClean="0"/>
+              <a:t>Spieler muss andere Menschen aus dem Labor befreien</a:t>
+            </a:r>
+          </a:p>
+          <a:p>
+            <a:r>
+              <a:rPr lang="ro-RO" dirty="0" smtClean="0"/>
+              <a:t>Monster/Roboter werden auf Fliesband hergestellt – Spieler muss Kontrollraum finden um es abzuschalten</a:t>
+            </a:r>
             <a:endParaRPr lang="en-US" dirty="0"/>
           </a:p>
         </p:txBody>
@@ -6798,7 +6941,7 @@
     </p:spTree>
     <p:extLst>
       <p:ext uri="{BB962C8B-B14F-4D97-AF65-F5344CB8AC3E}">
-        <p14:creationId xmlns:p14="http://schemas.microsoft.com/office/powerpoint/2010/main" val="3874941214"/>
+        <p14:creationId xmlns:p14="http://schemas.microsoft.com/office/powerpoint/2010/main" val="3690366721"/>
       </p:ext>
     </p:extLst>
   </p:cSld>
@@ -6861,7 +7004,7 @@
       </p:sp>
       <p:pic>
         <p:nvPicPr>
-          <p:cNvPr id="4" name="Picture 3"/>
+          <p:cNvPr id="5" name="Picture 4"/>
           <p:cNvPicPr>
             <a:picLocks noChangeAspect="1"/>
           </p:cNvPicPr>
@@ -6881,44 +7024,14 @@
         </p:blipFill>
         <p:spPr>
           <a:xfrm>
-            <a:off x="1278502" y="3454401"/>
-            <a:ext cx="10849653" cy="1797538"/>
+            <a:off x="1008185" y="3583476"/>
+            <a:ext cx="11183815" cy="1953360"/>
           </a:xfrm>
           <a:prstGeom prst="rect">
             <a:avLst/>
           </a:prstGeom>
         </p:spPr>
       </p:pic>
-      <p:sp>
-        <p:nvSpPr>
-          <p:cNvPr id="6" name="TextBox 5"/>
-          <p:cNvSpPr txBox="1"/>
-          <p:nvPr/>
-        </p:nvSpPr>
-        <p:spPr>
-          <a:xfrm>
-            <a:off x="1906954" y="2938585"/>
-            <a:ext cx="1928861" cy="369332"/>
-          </a:xfrm>
-          <a:prstGeom prst="rect">
-            <a:avLst/>
-          </a:prstGeom>
-          <a:noFill/>
-        </p:spPr>
-        <p:txBody>
-          <a:bodyPr wrap="none" rtlCol="0">
-            <a:spAutoFit/>
-          </a:bodyPr>
-          <a:lstStyle/>
-          <a:p>
-            <a:r>
-              <a:rPr lang="de-DE" dirty="0" smtClean="0"/>
-              <a:t>!!! Zu aktualisieren</a:t>
-            </a:r>
-            <a:endParaRPr lang="en-US" dirty="0"/>
-          </a:p>
-        </p:txBody>
-      </p:sp>
     </p:spTree>
     <p:extLst>
       <p:ext uri="{BB962C8B-B14F-4D97-AF65-F5344CB8AC3E}">
